--- a/thématique SI/004 Définir le SI/rsrc/programmation.pptx
+++ b/thématique SI/004 Définir le SI/rsrc/programmation.pptx
@@ -197,7 +197,7 @@
           <a:p>
             <a:fld id="{9E4B8CC3-9485-4880-8638-69D0788376F3}" type="datetimeFigureOut">
               <a:rPr lang="fr-FR" smtClean="0"/>
-              <a:t>22/05/2023</a:t>
+              <a:t>25/05/2023</a:t>
             </a:fld>
             <a:endParaRPr lang="fr-FR"/>
           </a:p>
@@ -611,7 +611,7 @@
           <a:p>
             <a:fld id="{FB996DCB-1AB0-43FA-9D80-01B79EDB845C}" type="datetimeFigureOut">
               <a:rPr lang="fr-FR" smtClean="0"/>
-              <a:t>22/05/2023</a:t>
+              <a:t>25/05/2023</a:t>
             </a:fld>
             <a:endParaRPr lang="fr-FR"/>
           </a:p>
@@ -809,7 +809,7 @@
           <a:p>
             <a:fld id="{FB996DCB-1AB0-43FA-9D80-01B79EDB845C}" type="datetimeFigureOut">
               <a:rPr lang="fr-FR" smtClean="0"/>
-              <a:t>22/05/2023</a:t>
+              <a:t>25/05/2023</a:t>
             </a:fld>
             <a:endParaRPr lang="fr-FR"/>
           </a:p>
@@ -1017,7 +1017,7 @@
           <a:p>
             <a:fld id="{FB996DCB-1AB0-43FA-9D80-01B79EDB845C}" type="datetimeFigureOut">
               <a:rPr lang="fr-FR" smtClean="0"/>
-              <a:t>22/05/2023</a:t>
+              <a:t>25/05/2023</a:t>
             </a:fld>
             <a:endParaRPr lang="fr-FR"/>
           </a:p>
@@ -1215,7 +1215,7 @@
           <a:p>
             <a:fld id="{FB996DCB-1AB0-43FA-9D80-01B79EDB845C}" type="datetimeFigureOut">
               <a:rPr lang="fr-FR" smtClean="0"/>
-              <a:t>22/05/2023</a:t>
+              <a:t>25/05/2023</a:t>
             </a:fld>
             <a:endParaRPr lang="fr-FR"/>
           </a:p>
@@ -1490,7 +1490,7 @@
           <a:p>
             <a:fld id="{FB996DCB-1AB0-43FA-9D80-01B79EDB845C}" type="datetimeFigureOut">
               <a:rPr lang="fr-FR" smtClean="0"/>
-              <a:t>22/05/2023</a:t>
+              <a:t>25/05/2023</a:t>
             </a:fld>
             <a:endParaRPr lang="fr-FR"/>
           </a:p>
@@ -1755,7 +1755,7 @@
           <a:p>
             <a:fld id="{FB996DCB-1AB0-43FA-9D80-01B79EDB845C}" type="datetimeFigureOut">
               <a:rPr lang="fr-FR" smtClean="0"/>
-              <a:t>22/05/2023</a:t>
+              <a:t>25/05/2023</a:t>
             </a:fld>
             <a:endParaRPr lang="fr-FR"/>
           </a:p>
@@ -2167,7 +2167,7 @@
           <a:p>
             <a:fld id="{FB996DCB-1AB0-43FA-9D80-01B79EDB845C}" type="datetimeFigureOut">
               <a:rPr lang="fr-FR" smtClean="0"/>
-              <a:t>22/05/2023</a:t>
+              <a:t>25/05/2023</a:t>
             </a:fld>
             <a:endParaRPr lang="fr-FR"/>
           </a:p>
@@ -2308,7 +2308,7 @@
           <a:p>
             <a:fld id="{FB996DCB-1AB0-43FA-9D80-01B79EDB845C}" type="datetimeFigureOut">
               <a:rPr lang="fr-FR" smtClean="0"/>
-              <a:t>22/05/2023</a:t>
+              <a:t>25/05/2023</a:t>
             </a:fld>
             <a:endParaRPr lang="fr-FR"/>
           </a:p>
@@ -2421,7 +2421,7 @@
           <a:p>
             <a:fld id="{FB996DCB-1AB0-43FA-9D80-01B79EDB845C}" type="datetimeFigureOut">
               <a:rPr lang="fr-FR" smtClean="0"/>
-              <a:t>22/05/2023</a:t>
+              <a:t>25/05/2023</a:t>
             </a:fld>
             <a:endParaRPr lang="fr-FR"/>
           </a:p>
@@ -2732,7 +2732,7 @@
           <a:p>
             <a:fld id="{FB996DCB-1AB0-43FA-9D80-01B79EDB845C}" type="datetimeFigureOut">
               <a:rPr lang="fr-FR" smtClean="0"/>
-              <a:t>22/05/2023</a:t>
+              <a:t>25/05/2023</a:t>
             </a:fld>
             <a:endParaRPr lang="fr-FR"/>
           </a:p>
@@ -3020,7 +3020,7 @@
           <a:p>
             <a:fld id="{FB996DCB-1AB0-43FA-9D80-01B79EDB845C}" type="datetimeFigureOut">
               <a:rPr lang="fr-FR" smtClean="0"/>
-              <a:t>22/05/2023</a:t>
+              <a:t>25/05/2023</a:t>
             </a:fld>
             <a:endParaRPr lang="fr-FR"/>
           </a:p>
@@ -3261,7 +3261,7 @@
           <a:p>
             <a:fld id="{FB996DCB-1AB0-43FA-9D80-01B79EDB845C}" type="datetimeFigureOut">
               <a:rPr lang="fr-FR" smtClean="0"/>
-              <a:t>22/05/2023</a:t>
+              <a:t>25/05/2023</a:t>
             </a:fld>
             <a:endParaRPr lang="fr-FR"/>
           </a:p>
@@ -3849,11 +3849,11 @@
   <p:clrMapOvr>
     <a:masterClrMapping/>
   </p:clrMapOvr>
-  <mc:AlternateContent xmlns:mc="http://schemas.openxmlformats.org/markup-compatibility/2006">
-    <mc:Choice xmlns:p14="http://schemas.microsoft.com/office/powerpoint/2010/main" Requires="p14">
+  <mc:AlternateContent xmlns:mc="http://schemas.openxmlformats.org/markup-compatibility/2006" xmlns:p14="http://schemas.microsoft.com/office/powerpoint/2010/main">
+    <mc:Choice Requires="p14">
       <p:transition spd="slow" p14:dur="2000" advTm="22483"/>
     </mc:Choice>
-    <mc:Fallback>
+    <mc:Fallback xmlns="">
       <p:transition spd="slow" advTm="22483"/>
     </mc:Fallback>
   </mc:AlternateContent>
